--- a/Daily Agendas/Day10.2_MidTermDay2.pptx
+++ b/Daily Agendas/Day10.2_MidTermDay2.pptx
@@ -208,7 +208,7 @@
           <a:p>
             <a:fld id="{02927826-3378-4ECF-BA4E-36C71D5ECCFE}" type="datetimeFigureOut">
               <a:rPr lang="en-US" smtClean="0"/>
-              <a:t>11/4/2019</a:t>
+              <a:t>11/5/2019</a:t>
             </a:fld>
             <a:endParaRPr lang="en-US"/>
           </a:p>
@@ -740,7 +740,7 @@
             <a:fld id="{1D8BD707-D9CF-40AE-B4C6-C98DA3205C09}" type="datetimeFigureOut">
               <a:rPr lang="en-US" smtClean="0"/>
               <a:pPr/>
-              <a:t>11/4/2019</a:t>
+              <a:t>11/5/2019</a:t>
             </a:fld>
             <a:endParaRPr lang="en-US"/>
           </a:p>
@@ -905,7 +905,7 @@
             <a:fld id="{1D8BD707-D9CF-40AE-B4C6-C98DA3205C09}" type="datetimeFigureOut">
               <a:rPr lang="en-US" smtClean="0"/>
               <a:pPr/>
-              <a:t>11/4/2019</a:t>
+              <a:t>11/5/2019</a:t>
             </a:fld>
             <a:endParaRPr lang="en-US"/>
           </a:p>
@@ -1080,7 +1080,7 @@
             <a:fld id="{1D8BD707-D9CF-40AE-B4C6-C98DA3205C09}" type="datetimeFigureOut">
               <a:rPr lang="en-US" smtClean="0"/>
               <a:pPr/>
-              <a:t>11/4/2019</a:t>
+              <a:t>11/5/2019</a:t>
             </a:fld>
             <a:endParaRPr lang="en-US"/>
           </a:p>
@@ -1245,7 +1245,7 @@
             <a:fld id="{1D8BD707-D9CF-40AE-B4C6-C98DA3205C09}" type="datetimeFigureOut">
               <a:rPr lang="en-US" smtClean="0"/>
               <a:pPr/>
-              <a:t>11/4/2019</a:t>
+              <a:t>11/5/2019</a:t>
             </a:fld>
             <a:endParaRPr lang="en-US"/>
           </a:p>
@@ -1487,7 +1487,7 @@
             <a:fld id="{1D8BD707-D9CF-40AE-B4C6-C98DA3205C09}" type="datetimeFigureOut">
               <a:rPr lang="en-US" smtClean="0"/>
               <a:pPr/>
-              <a:t>11/4/2019</a:t>
+              <a:t>11/5/2019</a:t>
             </a:fld>
             <a:endParaRPr lang="en-US"/>
           </a:p>
@@ -1769,7 +1769,7 @@
             <a:fld id="{1D8BD707-D9CF-40AE-B4C6-C98DA3205C09}" type="datetimeFigureOut">
               <a:rPr lang="en-US" smtClean="0"/>
               <a:pPr/>
-              <a:t>11/4/2019</a:t>
+              <a:t>11/5/2019</a:t>
             </a:fld>
             <a:endParaRPr lang="en-US"/>
           </a:p>
@@ -2185,7 +2185,7 @@
             <a:fld id="{1D8BD707-D9CF-40AE-B4C6-C98DA3205C09}" type="datetimeFigureOut">
               <a:rPr lang="en-US" smtClean="0"/>
               <a:pPr/>
-              <a:t>11/4/2019</a:t>
+              <a:t>11/5/2019</a:t>
             </a:fld>
             <a:endParaRPr lang="en-US"/>
           </a:p>
@@ -2299,7 +2299,7 @@
             <a:fld id="{1D8BD707-D9CF-40AE-B4C6-C98DA3205C09}" type="datetimeFigureOut">
               <a:rPr lang="en-US" smtClean="0"/>
               <a:pPr/>
-              <a:t>11/4/2019</a:t>
+              <a:t>11/5/2019</a:t>
             </a:fld>
             <a:endParaRPr lang="en-US"/>
           </a:p>
@@ -2391,7 +2391,7 @@
             <a:fld id="{1D8BD707-D9CF-40AE-B4C6-C98DA3205C09}" type="datetimeFigureOut">
               <a:rPr lang="en-US" smtClean="0"/>
               <a:pPr/>
-              <a:t>11/4/2019</a:t>
+              <a:t>11/5/2019</a:t>
             </a:fld>
             <a:endParaRPr lang="en-US"/>
           </a:p>
@@ -2663,7 +2663,7 @@
             <a:fld id="{1D8BD707-D9CF-40AE-B4C6-C98DA3205C09}" type="datetimeFigureOut">
               <a:rPr lang="en-US" smtClean="0"/>
               <a:pPr/>
-              <a:t>11/4/2019</a:t>
+              <a:t>11/5/2019</a:t>
             </a:fld>
             <a:endParaRPr lang="en-US"/>
           </a:p>
@@ -2912,7 +2912,7 @@
             <a:fld id="{1D8BD707-D9CF-40AE-B4C6-C98DA3205C09}" type="datetimeFigureOut">
               <a:rPr lang="en-US" smtClean="0"/>
               <a:pPr/>
-              <a:t>11/4/2019</a:t>
+              <a:t>11/5/2019</a:t>
             </a:fld>
             <a:endParaRPr lang="en-US"/>
           </a:p>
@@ -3120,7 +3120,7 @@
             <a:fld id="{1D8BD707-D9CF-40AE-B4C6-C98DA3205C09}" type="datetimeFigureOut">
               <a:rPr lang="en-US" smtClean="0"/>
               <a:pPr/>
-              <a:t>11/4/2019</a:t>
+              <a:t>11/5/2019</a:t>
             </a:fld>
             <a:endParaRPr lang="en-US"/>
           </a:p>
@@ -3510,15 +3510,7 @@
           <a:p>
             <a:r>
               <a:rPr lang="en-US" dirty="0" smtClean="0"/>
-              <a:t>Mid-Term Day2 </a:t>
-            </a:r>
-            <a:r>
-              <a:rPr lang="en-US" dirty="0" smtClean="0"/>
-              <a:t>– Nov </a:t>
-            </a:r>
-            <a:r>
-              <a:rPr lang="en-US" dirty="0" smtClean="0"/>
-              <a:t>05</a:t>
+              <a:t>Mid-Term Day2 – Nov 05</a:t>
             </a:r>
             <a:endParaRPr lang="en-US" dirty="0"/>
           </a:p>
@@ -3551,22 +3543,6 @@
             <a:pPr lvl="1"/>
             <a:r>
               <a:rPr lang="en-CA" dirty="0" smtClean="0"/>
-              <a:t>Multiple Choice</a:t>
-            </a:r>
-            <a:endParaRPr lang="en-CA" dirty="0" smtClean="0"/>
-          </a:p>
-          <a:p>
-            <a:pPr lvl="2"/>
-            <a:r>
-              <a:rPr lang="en-CA" dirty="0" smtClean="0"/>
-              <a:t>10 Questions</a:t>
-            </a:r>
-            <a:endParaRPr lang="en-CA" dirty="0" smtClean="0"/>
-          </a:p>
-          <a:p>
-            <a:pPr lvl="1"/>
-            <a:r>
-              <a:rPr lang="en-CA" smtClean="0"/>
               <a:t>Programming</a:t>
             </a:r>
             <a:endParaRPr lang="en-CA" dirty="0" smtClean="0"/>
@@ -3577,7 +3553,6 @@
               <a:rPr lang="en-CA" dirty="0" smtClean="0"/>
               <a:t>Matching</a:t>
             </a:r>
-            <a:endParaRPr lang="en-CA" dirty="0" smtClean="0"/>
           </a:p>
           <a:p>
             <a:pPr lvl="2"/>
@@ -3585,12 +3560,25 @@
               <a:rPr lang="en-CA" dirty="0" smtClean="0"/>
               <a:t>Short Answer</a:t>
             </a:r>
-            <a:endParaRPr lang="en-CA" dirty="0" smtClean="0"/>
           </a:p>
           <a:p>
             <a:pPr lvl="1">
               <a:buNone/>
             </a:pPr>
+            <a:r>
+              <a:rPr lang="en-CA" dirty="0" smtClean="0"/>
+              <a:t/>
+            </a:r>
+            <a:br>
+              <a:rPr lang="en-CA" dirty="0" smtClean="0"/>
+            </a:br>
+            <a:r>
+              <a:rPr lang="en-CA" dirty="0" smtClean="0"/>
+              <a:t/>
+            </a:r>
+            <a:br>
+              <a:rPr lang="en-CA" dirty="0" smtClean="0"/>
+            </a:br>
             <a:endParaRPr lang="en-US" dirty="0" smtClean="0"/>
           </a:p>
           <a:p>
@@ -3602,12 +3590,8 @@
           <a:p>
             <a:pPr lvl="1"/>
             <a:r>
-              <a:rPr lang="en-CA" sz="2400" dirty="0" err="1" smtClean="0"/>
-              <a:t>t.b.d</a:t>
-            </a:r>
-            <a:r>
               <a:rPr lang="en-CA" sz="2400" dirty="0" smtClean="0"/>
-              <a:t>.</a:t>
+              <a:t>Tomorrow: Back To Lessons</a:t>
             </a:r>
             <a:endParaRPr lang="en-CA" sz="2400" dirty="0"/>
           </a:p>
